--- a/2019/SBOL Visual 2.1 Quickstart.pptx
+++ b/2019/SBOL Visual 2.1 Quickstart.pptx
@@ -4414,6 +4414,147 @@
           <a:chExt cx="0" cy="0"/>
         </a:xfrm>
       </p:grpSpPr>
+      <p:cxnSp>
+        <p:nvCxnSpPr>
+          <p:cNvPr id="59" name="Elbow Connector 51">
+            <a:extLst>
+              <a:ext uri="{FF2B5EF4-FFF2-40B4-BE49-F238E27FC236}">
+                <a16:creationId xmlns:a16="http://schemas.microsoft.com/office/drawing/2014/main" id="{051C7B53-3BFB-2A44-A007-00FE0FDBB3FC}"/>
+              </a:ext>
+            </a:extLst>
+          </p:cNvPr>
+          <p:cNvCxnSpPr>
+            <a:cxnSpLocks/>
+          </p:cNvCxnSpPr>
+          <p:nvPr/>
+        </p:nvCxnSpPr>
+        <p:spPr>
+          <a:xfrm flipV="1">
+            <a:off x="4126938" y="4790068"/>
+            <a:ext cx="0" cy="415907"/>
+          </a:xfrm>
+          <a:prstGeom prst="straightConnector1">
+            <a:avLst/>
+          </a:prstGeom>
+          <a:ln w="38100">
+            <a:solidFill>
+              <a:srgbClr val="FF0000"/>
+            </a:solidFill>
+            <a:headEnd type="none"/>
+            <a:tailEnd type="none" w="lg" len="sm"/>
+          </a:ln>
+          <a:effectLst/>
+        </p:spPr>
+        <p:style>
+          <a:lnRef idx="2">
+            <a:schemeClr val="accent1"/>
+          </a:lnRef>
+          <a:fillRef idx="0">
+            <a:schemeClr val="accent1"/>
+          </a:fillRef>
+          <a:effectRef idx="1">
+            <a:schemeClr val="accent1"/>
+          </a:effectRef>
+          <a:fontRef idx="minor">
+            <a:schemeClr val="tx1"/>
+          </a:fontRef>
+        </p:style>
+      </p:cxnSp>
+      <p:sp>
+        <p:nvSpPr>
+          <p:cNvPr id="66" name="Rectangle 65">
+            <a:extLst>
+              <a:ext uri="{FF2B5EF4-FFF2-40B4-BE49-F238E27FC236}">
+                <a16:creationId xmlns:a16="http://schemas.microsoft.com/office/drawing/2014/main" id="{B4B29581-00E4-2649-BB74-0FCC95CC1E8E}"/>
+              </a:ext>
+            </a:extLst>
+          </p:cNvPr>
+          <p:cNvSpPr/>
+          <p:nvPr/>
+        </p:nvSpPr>
+        <p:spPr>
+          <a:xfrm>
+            <a:off x="4015394" y="4462014"/>
+            <a:ext cx="243636" cy="243933"/>
+          </a:xfrm>
+          <a:prstGeom prst="rect">
+            <a:avLst/>
+          </a:prstGeom>
+          <a:solidFill>
+            <a:srgbClr val="FF0000"/>
+          </a:solidFill>
+          <a:ln>
+            <a:noFill/>
+          </a:ln>
+          <a:effectLst/>
+        </p:spPr>
+        <p:style>
+          <a:lnRef idx="1">
+            <a:schemeClr val="accent1"/>
+          </a:lnRef>
+          <a:fillRef idx="3">
+            <a:schemeClr val="accent1"/>
+          </a:fillRef>
+          <a:effectRef idx="2">
+            <a:schemeClr val="accent1"/>
+          </a:effectRef>
+          <a:fontRef idx="minor">
+            <a:schemeClr val="lt1"/>
+          </a:fontRef>
+        </p:style>
+        <p:txBody>
+          <a:bodyPr rtlCol="0" anchor="ctr"/>
+          <a:lstStyle/>
+          <a:p>
+            <a:pPr algn="ctr"/>
+            <a:endParaRPr lang="en-US"/>
+          </a:p>
+        </p:txBody>
+      </p:sp>
+      <p:cxnSp>
+        <p:nvCxnSpPr>
+          <p:cNvPr id="102" name="Straight Connector 101">
+            <a:extLst>
+              <a:ext uri="{FF2B5EF4-FFF2-40B4-BE49-F238E27FC236}">
+                <a16:creationId xmlns:a16="http://schemas.microsoft.com/office/drawing/2014/main" id="{D3AC307E-5453-614B-B034-050697E58CC2}"/>
+              </a:ext>
+            </a:extLst>
+          </p:cNvPr>
+          <p:cNvCxnSpPr>
+            <a:cxnSpLocks/>
+          </p:cNvCxnSpPr>
+          <p:nvPr/>
+        </p:nvCxnSpPr>
+        <p:spPr>
+          <a:xfrm>
+            <a:off x="4025115" y="4790068"/>
+            <a:ext cx="205323" cy="0"/>
+          </a:xfrm>
+          <a:prstGeom prst="line">
+            <a:avLst/>
+          </a:prstGeom>
+          <a:ln w="38100" cmpd="sng">
+            <a:solidFill>
+              <a:srgbClr val="FF0000"/>
+            </a:solidFill>
+          </a:ln>
+          <a:effectLst/>
+        </p:spPr>
+        <p:style>
+          <a:lnRef idx="2">
+            <a:schemeClr val="accent1"/>
+          </a:lnRef>
+          <a:fillRef idx="0">
+            <a:schemeClr val="accent1"/>
+          </a:fillRef>
+          <a:effectRef idx="1">
+            <a:schemeClr val="accent1"/>
+          </a:effectRef>
+          <a:fontRef idx="minor">
+            <a:schemeClr val="tx1"/>
+          </a:fontRef>
+        </p:style>
+      </p:cxnSp>
       <p:sp>
         <p:nvSpPr>
           <p:cNvPr id="2" name="Title 1"/>
@@ -6519,112 +6660,6 @@
             </a:p>
           </p:txBody>
         </p:sp>
-        <p:sp>
-          <p:nvSpPr>
-            <p:cNvPr id="94" name="Oval 93">
-              <a:extLst>
-                <a:ext uri="{FF2B5EF4-FFF2-40B4-BE49-F238E27FC236}">
-                  <a16:creationId xmlns:a16="http://schemas.microsoft.com/office/drawing/2014/main" id="{A14E9377-8FC8-EE4E-B7D6-6F139BE59300}"/>
-                </a:ext>
-              </a:extLst>
-            </p:cNvPr>
-            <p:cNvSpPr/>
-            <p:nvPr/>
-          </p:nvSpPr>
-          <p:spPr>
-            <a:xfrm>
-              <a:off x="5165488" y="4275715"/>
-              <a:ext cx="243933" cy="243933"/>
-            </a:xfrm>
-            <a:prstGeom prst="ellipse">
-              <a:avLst/>
-            </a:prstGeom>
-            <a:solidFill>
-              <a:srgbClr val="FF0000"/>
-            </a:solidFill>
-            <a:ln>
-              <a:solidFill>
-                <a:srgbClr val="FF0000"/>
-              </a:solidFill>
-            </a:ln>
-            <a:effectLst/>
-          </p:spPr>
-          <p:style>
-            <a:lnRef idx="1">
-              <a:schemeClr val="accent1"/>
-            </a:lnRef>
-            <a:fillRef idx="3">
-              <a:schemeClr val="accent1"/>
-            </a:fillRef>
-            <a:effectRef idx="2">
-              <a:schemeClr val="accent1"/>
-            </a:effectRef>
-            <a:fontRef idx="minor">
-              <a:schemeClr val="lt1"/>
-            </a:fontRef>
-          </p:style>
-          <p:txBody>
-            <a:bodyPr rot="0" spcFirstLastPara="0" vertOverflow="overflow" horzOverflow="overflow" vert="horz" wrap="square" lIns="91440" tIns="45720" rIns="91440" bIns="45720" numCol="1" spcCol="0" rtlCol="0" fromWordArt="0" anchor="ctr" anchorCtr="0" forceAA="0" compatLnSpc="1">
-              <a:prstTxWarp prst="textNoShape">
-                <a:avLst/>
-              </a:prstTxWarp>
-              <a:noAutofit/>
-            </a:bodyPr>
-            <a:lstStyle/>
-            <a:p>
-              <a:pPr algn="ctr"/>
-              <a:endParaRPr lang="en-US"/>
-            </a:p>
-          </p:txBody>
-        </p:sp>
-        <p:cxnSp>
-          <p:nvCxnSpPr>
-            <p:cNvPr id="95" name="Elbow Connector 51">
-              <a:extLst>
-                <a:ext uri="{FF2B5EF4-FFF2-40B4-BE49-F238E27FC236}">
-                  <a16:creationId xmlns:a16="http://schemas.microsoft.com/office/drawing/2014/main" id="{A1A1A01D-AA11-C845-AB99-88A8F1433F4C}"/>
-                </a:ext>
-              </a:extLst>
-            </p:cNvPr>
-            <p:cNvCxnSpPr>
-              <a:cxnSpLocks/>
-              <a:stCxn id="93" idx="0"/>
-              <a:endCxn id="94" idx="4"/>
-            </p:cNvCxnSpPr>
-            <p:nvPr/>
-          </p:nvCxnSpPr>
-          <p:spPr>
-            <a:xfrm flipV="1">
-              <a:off x="5286478" y="4519648"/>
-              <a:ext cx="976" cy="500029"/>
-            </a:xfrm>
-            <a:prstGeom prst="straightConnector1">
-              <a:avLst/>
-            </a:prstGeom>
-            <a:ln w="38100">
-              <a:solidFill>
-                <a:srgbClr val="FF0000"/>
-              </a:solidFill>
-              <a:headEnd type="none"/>
-              <a:tailEnd type="none" w="lg" len="sm"/>
-            </a:ln>
-            <a:effectLst/>
-          </p:spPr>
-          <p:style>
-            <a:lnRef idx="2">
-              <a:schemeClr val="accent1"/>
-            </a:lnRef>
-            <a:fillRef idx="0">
-              <a:schemeClr val="accent1"/>
-            </a:fillRef>
-            <a:effectRef idx="1">
-              <a:schemeClr val="accent1"/>
-            </a:effectRef>
-            <a:fontRef idx="minor">
-              <a:schemeClr val="tx1"/>
-            </a:fontRef>
-          </p:style>
-        </p:cxnSp>
         <p:sp>
           <p:nvSpPr>
             <p:cNvPr id="96" name="Rectangle 95">
